--- a/Report/VPOpenCVProjectPresentation.pptx
+++ b/Report/VPOpenCVProjectPresentation.pptx
@@ -5,7 +5,7 @@
     <p:sldMasterId id="2147483694" r:id="rId2"/>
   </p:sldMasterIdLst>
   <p:notesMasterIdLst>
-    <p:notesMasterId r:id="rId23"/>
+    <p:notesMasterId r:id="rId24"/>
   </p:notesMasterIdLst>
   <p:sldIdLst>
     <p:sldId id="256" r:id="rId3"/>
@@ -26,8 +26,9 @@
     <p:sldId id="278" r:id="rId18"/>
     <p:sldId id="279" r:id="rId19"/>
     <p:sldId id="280" r:id="rId20"/>
-    <p:sldId id="265" r:id="rId21"/>
-    <p:sldId id="266" r:id="rId22"/>
+    <p:sldId id="281" r:id="rId21"/>
+    <p:sldId id="265" r:id="rId22"/>
+    <p:sldId id="266" r:id="rId23"/>
   </p:sldIdLst>
   <p:sldSz cx="9144000" cy="6858000" type="screen4x3"/>
   <p:notesSz cx="6858000" cy="9144000"/>
@@ -1549,6 +1550,88 @@
 </p:notes>
 </file>
 
+<file path=ppt/notesSlides/notesSlide21.xml><?xml version="1.0" encoding="utf-8"?>
+<p:notes xmlns:a="http://schemas.openxmlformats.org/drawingml/2006/main" xmlns:r="http://schemas.openxmlformats.org/officeDocument/2006/relationships" xmlns:p="http://schemas.openxmlformats.org/presentationml/2006/main">
+  <p:cSld>
+    <p:spTree>
+      <p:nvGrpSpPr>
+        <p:cNvPr id="1" name=""/>
+        <p:cNvGrpSpPr/>
+        <p:nvPr/>
+      </p:nvGrpSpPr>
+      <p:grpSpPr>
+        <a:xfrm>
+          <a:off x="0" y="0"/>
+          <a:ext cx="0" cy="0"/>
+          <a:chOff x="0" y="0"/>
+          <a:chExt cx="0" cy="0"/>
+        </a:xfrm>
+      </p:grpSpPr>
+      <p:sp>
+        <p:nvSpPr>
+          <p:cNvPr id="2" name="Slide Image Placeholder 1"/>
+          <p:cNvSpPr>
+            <a:spLocks noGrp="1" noRot="1" noChangeAspect="1"/>
+          </p:cNvSpPr>
+          <p:nvPr>
+            <p:ph type="sldImg"/>
+          </p:nvPr>
+        </p:nvSpPr>
+        <p:spPr/>
+      </p:sp>
+      <p:sp>
+        <p:nvSpPr>
+          <p:cNvPr id="3" name="Notes Placeholder 2"/>
+          <p:cNvSpPr>
+            <a:spLocks noGrp="1"/>
+          </p:cNvSpPr>
+          <p:nvPr>
+            <p:ph type="body" idx="1"/>
+          </p:nvPr>
+        </p:nvSpPr>
+        <p:spPr/>
+        <p:txBody>
+          <a:bodyPr>
+            <a:normAutofit/>
+          </a:bodyPr>
+          <a:lstStyle/>
+          <a:p>
+            <a:endParaRPr lang="en-US"/>
+          </a:p>
+        </p:txBody>
+      </p:sp>
+      <p:sp>
+        <p:nvSpPr>
+          <p:cNvPr id="4" name="Slide Number Placeholder 3"/>
+          <p:cNvSpPr>
+            <a:spLocks noGrp="1"/>
+          </p:cNvSpPr>
+          <p:nvPr>
+            <p:ph type="sldNum" sz="quarter" idx="10"/>
+          </p:nvPr>
+        </p:nvSpPr>
+        <p:spPr/>
+        <p:txBody>
+          <a:bodyPr/>
+          <a:lstStyle/>
+          <a:p>
+            <a:fld id="{A5D78FC6-CE17-4259-A63C-DDFC12E048FC}" type="slidenum">
+              <a:rPr lang="en-US" smtClean="0"/>
+              <a:pPr/>
+              <a:t>21</a:t>
+            </a:fld>
+            <a:endParaRPr lang="en-US"/>
+          </a:p>
+        </p:txBody>
+      </p:sp>
+    </p:spTree>
+  </p:cSld>
+  <p:clrMapOvr>
+    <a:masterClrMapping/>
+  </p:clrMapOvr>
+</p:notes>
+</file>
+
 <file path=ppt/notesSlides/notesSlide3.xml><?xml version="1.0" encoding="utf-8"?>
 <p:notes xmlns:a="http://schemas.openxmlformats.org/drawingml/2006/main" xmlns:r="http://schemas.openxmlformats.org/officeDocument/2006/relationships" xmlns:p="http://schemas.openxmlformats.org/presentationml/2006/main">
   <p:cSld>
@@ -2416,7 +2499,7 @@
             <a:fld id="{743653DA-8BF4-4869-96FE-9BCF43372D46}" type="datetime8">
               <a:rPr lang="en-US" smtClean="0"/>
               <a:pPr algn="ctr"/>
-              <a:t>2/20/14 07:31</a:t>
+              <a:t>2/20/14 13:06</a:t>
             </a:fld>
             <a:endParaRPr lang="en-US" sz="2000" dirty="0">
               <a:solidFill>
@@ -2626,7 +2709,7 @@
                 </a:solidFill>
               </a:rPr>
               <a:pPr/>
-              <a:t>2/20/14 07:31</a:t>
+              <a:t>2/20/14 13:06</a:t>
             </a:fld>
             <a:endParaRPr lang="en-US"/>
           </a:p>
@@ -2821,7 +2904,7 @@
                 </a:solidFill>
               </a:rPr>
               <a:pPr/>
-              <a:t>2/20/14 07:31</a:t>
+              <a:t>2/20/14 13:06</a:t>
             </a:fld>
             <a:endParaRPr lang="en-US" dirty="0"/>
           </a:p>
@@ -3090,7 +3173,7 @@
             <a:fld id="{B7129108-AC8D-4212-9283-60D9E99BF07A}" type="datetime8">
               <a:rPr lang="en-US" smtClean="0"/>
               <a:pPr/>
-              <a:t>2/20/14 07:31</a:t>
+              <a:t>2/20/14 13:06</a:t>
             </a:fld>
             <a:endParaRPr lang="en-US" dirty="0"/>
           </a:p>
@@ -3512,7 +3595,7 @@
             <a:fld id="{B6DED3D3-6235-4F4C-B439-DF277FB555A7}" type="datetime8">
               <a:rPr lang="en-US" smtClean="0"/>
               <a:pPr/>
-              <a:t>2/20/14 07:31</a:t>
+              <a:t>2/20/14 13:06</a:t>
             </a:fld>
             <a:endParaRPr lang="en-US"/>
           </a:p>
@@ -3761,7 +3844,7 @@
             <a:fld id="{3B5F1E3E-4B2F-4895-B65E-28B2E64F39F6}" type="datetime8">
               <a:rPr lang="en-US" smtClean="0"/>
               <a:pPr/>
-              <a:t>2/20/14 07:31</a:t>
+              <a:t>2/20/14 13:06</a:t>
             </a:fld>
             <a:endParaRPr lang="en-US"/>
           </a:p>
@@ -4000,7 +4083,7 @@
             <a:fld id="{63085435-8225-4333-BFFA-0096413F0D76}" type="datetime8">
               <a:rPr lang="en-US" smtClean="0"/>
               <a:pPr/>
-              <a:t>2/20/14 07:31</a:t>
+              <a:t>2/20/14 13:06</a:t>
             </a:fld>
             <a:endParaRPr lang="en-US"/>
           </a:p>
@@ -4198,7 +4281,7 @@
             <a:fld id="{0783C494-2A87-468C-A21B-CB14FB9ABB00}" type="datetime8">
               <a:rPr lang="en-US" smtClean="0"/>
               <a:pPr/>
-              <a:t>2/20/14 07:31</a:t>
+              <a:t>2/20/14 13:06</a:t>
             </a:fld>
             <a:endParaRPr lang="en-US"/>
           </a:p>
@@ -4302,7 +4385,7 @@
             <a:fld id="{9A180FA0-5B31-4864-A2BB-719EA5A679C6}" type="datetime8">
               <a:rPr lang="en-US" smtClean="0"/>
               <a:pPr/>
-              <a:t>2/20/14 07:31</a:t>
+              <a:t>2/20/14 13:06</a:t>
             </a:fld>
             <a:endParaRPr lang="en-US"/>
           </a:p>
@@ -4444,7 +4527,7 @@
             <a:fld id="{4BECC0C8-36B8-442A-833D-B6AACE86BB77}" type="datetime8">
               <a:rPr lang="en-US" smtClean="0"/>
               <a:pPr/>
-              <a:t>2/20/14 07:31</a:t>
+              <a:t>2/20/14 13:06</a:t>
             </a:fld>
             <a:endParaRPr lang="en-US"/>
           </a:p>
@@ -4968,7 +5051,7 @@
             <a:fld id="{51E20EC5-AC53-4169-941E-EDF10CD23748}" type="datetime8">
               <a:rPr lang="en-US" smtClean="0"/>
               <a:pPr/>
-              <a:t>2/20/14 07:31</a:t>
+              <a:t>2/20/14 13:06</a:t>
             </a:fld>
             <a:endParaRPr lang="en-US"/>
           </a:p>
@@ -5236,7 +5319,7 @@
                 </a:solidFill>
               </a:rPr>
               <a:pPr/>
-              <a:t>2/20/14 07:31</a:t>
+              <a:t>2/20/14 13:06</a:t>
             </a:fld>
             <a:endParaRPr lang="en-US" sz="1400" dirty="0">
               <a:solidFill>
@@ -5849,7 +5932,6 @@
               <a:rPr lang="en-US" dirty="0" smtClean="0"/>
               <a:t>Emre Ozan Alkan</a:t>
             </a:r>
-            <a:endParaRPr lang="en-US" dirty="0" smtClean="0"/>
           </a:p>
           <a:p>
             <a:r>
@@ -6639,7 +6721,7 @@
           <a:p>
             <a:r>
               <a:rPr lang="en-US" dirty="0" smtClean="0"/>
-              <a:t>Features</a:t>
+              <a:t>Features: FAST, SURF, SIFT</a:t>
             </a:r>
             <a:endParaRPr lang="en-US" dirty="0"/>
           </a:p>
@@ -6713,7 +6795,7 @@
       </p:grpSpPr>
       <p:sp>
         <p:nvSpPr>
-          <p:cNvPr id="2" name="Title 1"/>
+          <p:cNvPr id="2" name="Rectangle 1"/>
           <p:cNvSpPr>
             <a:spLocks noGrp="1"/>
           </p:cNvSpPr>
@@ -6723,65 +6805,145 @@
         </p:nvSpPr>
         <p:spPr/>
         <p:txBody>
-          <a:bodyPr/>
+          <a:bodyPr>
+            <a:normAutofit/>
+          </a:bodyPr>
           <a:lstStyle/>
           <a:p>
             <a:r>
               <a:rPr lang="en-US" dirty="0" smtClean="0"/>
-              <a:t>Conclusion</a:t>
+              <a:t>Estimation</a:t>
             </a:r>
             <a:endParaRPr lang="en-US" dirty="0"/>
           </a:p>
         </p:txBody>
       </p:sp>
-      <p:sp>
-        <p:nvSpPr>
-          <p:cNvPr id="3" name="Content Placeholder 2"/>
-          <p:cNvSpPr>
-            <a:spLocks noGrp="1"/>
-          </p:cNvSpPr>
+      <p:pic>
+        <p:nvPicPr>
+          <p:cNvPr id="5" name="Content Placeholder 4" descr="toolboxCameraCalibration.png"/>
+          <p:cNvPicPr>
+            <a:picLocks noGrp="1" noChangeAspect="1"/>
+          </p:cNvPicPr>
           <p:nvPr>
             <p:ph sz="quarter" idx="1"/>
           </p:nvPr>
-        </p:nvSpPr>
-        <p:spPr/>
-        <p:txBody>
-          <a:bodyPr/>
-          <a:lstStyle/>
-          <a:p>
-            <a:r>
-              <a:rPr lang="en-US" dirty="0" smtClean="0"/>
-              <a:t>Fast Prototyping</a:t>
-            </a:r>
-          </a:p>
-          <a:p>
-            <a:r>
-              <a:rPr lang="en-US" dirty="0" smtClean="0"/>
-              <a:t>Simple to use</a:t>
-            </a:r>
-          </a:p>
-          <a:p>
-            <a:r>
-              <a:rPr lang="en-US" dirty="0" smtClean="0"/>
-              <a:t>Powerful</a:t>
-            </a:r>
-          </a:p>
-          <a:p>
-            <a:r>
-              <a:rPr lang="en-US" dirty="0" smtClean="0"/>
-              <a:t>Missing functionalities</a:t>
-            </a:r>
-          </a:p>
-          <a:p>
-            <a:r>
-              <a:rPr lang="en-US" dirty="0" smtClean="0"/>
-              <a:t>Good User Manual for Parameters</a:t>
-            </a:r>
-            <a:endParaRPr lang="en-US" dirty="0"/>
-          </a:p>
-        </p:txBody>
-      </p:sp>
+        </p:nvPicPr>
+        <p:blipFill>
+          <a:blip r:embed="rId3">
+            <a:extLst>
+              <a:ext uri="{28A0092B-C50C-407E-A947-70E740481C1C}">
+                <a14:useLocalDpi xmlns:a14="http://schemas.microsoft.com/office/drawing/2010/main" val="0"/>
+              </a:ext>
+            </a:extLst>
+          </a:blip>
+          <a:srcRect t="18693" b="18693"/>
+          <a:stretch>
+            <a:fillRect/>
+          </a:stretch>
+        </p:blipFill>
+        <p:spPr>
+          <a:xfrm>
+            <a:off x="0" y="1523999"/>
+            <a:ext cx="4419600" cy="2436975"/>
+          </a:xfrm>
+        </p:spPr>
+      </p:pic>
+      <p:pic>
+        <p:nvPicPr>
+          <p:cNvPr id="6" name="Content Placeholder 4"/>
+          <p:cNvPicPr>
+            <a:picLocks noChangeAspect="1"/>
+          </p:cNvPicPr>
+          <p:nvPr/>
+        </p:nvPicPr>
+        <p:blipFill>
+          <a:blip r:embed="rId4" cstate="print">
+            <a:extLst>
+              <a:ext uri="{28A0092B-C50C-407E-A947-70E740481C1C}">
+                <a14:useLocalDpi xmlns:a14="http://schemas.microsoft.com/office/drawing/2010/main" val="0"/>
+              </a:ext>
+            </a:extLst>
+          </a:blip>
+          <a:stretch>
+            <a:fillRect/>
+          </a:stretch>
+        </p:blipFill>
+        <p:spPr>
+          <a:xfrm>
+            <a:off x="-381000" y="3733800"/>
+            <a:ext cx="5418589" cy="3734193"/>
+          </a:xfrm>
+          <a:prstGeom prst="rect">
+            <a:avLst/>
+          </a:prstGeom>
+        </p:spPr>
+      </p:pic>
+      <p:pic>
+        <p:nvPicPr>
+          <p:cNvPr id="7" name="Content Placeholder 4"/>
+          <p:cNvPicPr>
+            <a:picLocks noChangeAspect="1"/>
+          </p:cNvPicPr>
+          <p:nvPr/>
+        </p:nvPicPr>
+        <p:blipFill>
+          <a:blip r:embed="rId5">
+            <a:extLst>
+              <a:ext uri="{28A0092B-C50C-407E-A947-70E740481C1C}">
+                <a14:useLocalDpi xmlns:a14="http://schemas.microsoft.com/office/drawing/2010/main" val="0"/>
+              </a:ext>
+            </a:extLst>
+          </a:blip>
+          <a:stretch>
+            <a:fillRect/>
+          </a:stretch>
+        </p:blipFill>
+        <p:spPr>
+          <a:xfrm>
+            <a:off x="4343400" y="3886200"/>
+            <a:ext cx="5155385" cy="3556486"/>
+          </a:xfrm>
+          <a:prstGeom prst="rect">
+            <a:avLst/>
+          </a:prstGeom>
+        </p:spPr>
+      </p:pic>
+      <p:pic>
+        <p:nvPicPr>
+          <p:cNvPr id="8" name="Content Placeholder 4"/>
+          <p:cNvPicPr>
+            <a:picLocks noChangeAspect="1"/>
+          </p:cNvPicPr>
+          <p:nvPr/>
+        </p:nvPicPr>
+        <p:blipFill>
+          <a:blip r:embed="rId6">
+            <a:extLst>
+              <a:ext uri="{28A0092B-C50C-407E-A947-70E740481C1C}">
+                <a14:useLocalDpi xmlns:a14="http://schemas.microsoft.com/office/drawing/2010/main" val="0"/>
+              </a:ext>
+            </a:extLst>
+          </a:blip>
+          <a:stretch>
+            <a:fillRect/>
+          </a:stretch>
+        </p:blipFill>
+        <p:spPr>
+          <a:xfrm>
+            <a:off x="4267200" y="1219200"/>
+            <a:ext cx="5187716" cy="3429000"/>
+          </a:xfrm>
+          <a:prstGeom prst="rect">
+            <a:avLst/>
+          </a:prstGeom>
+        </p:spPr>
+      </p:pic>
     </p:spTree>
+    <p:extLst>
+      <p:ext uri="{BB962C8B-B14F-4D97-AF65-F5344CB8AC3E}">
+        <p14:creationId xmlns:p14="http://schemas.microsoft.com/office/powerpoint/2010/main" val="3587684155"/>
+      </p:ext>
+    </p:extLst>
   </p:cSld>
   <p:clrMapOvr>
     <a:masterClrMapping/>
@@ -6875,7 +7037,6 @@
               <a:rPr lang="en-US" dirty="0" smtClean="0"/>
               <a:t>Toolbox GUI</a:t>
             </a:r>
-            <a:endParaRPr lang="en-US" dirty="0" smtClean="0"/>
           </a:p>
           <a:p>
             <a:r>
@@ -6941,11 +7102,107 @@
           <a:p>
             <a:r>
               <a:rPr lang="en-US" dirty="0" smtClean="0"/>
-              <a:t>Questions and </a:t>
-            </a:r>
+              <a:t>Conclusion</a:t>
+            </a:r>
+            <a:endParaRPr lang="en-US" dirty="0"/>
+          </a:p>
+        </p:txBody>
+      </p:sp>
+      <p:sp>
+        <p:nvSpPr>
+          <p:cNvPr id="3" name="Content Placeholder 2"/>
+          <p:cNvSpPr>
+            <a:spLocks noGrp="1"/>
+          </p:cNvSpPr>
+          <p:nvPr>
+            <p:ph sz="quarter" idx="1"/>
+          </p:nvPr>
+        </p:nvSpPr>
+        <p:spPr/>
+        <p:txBody>
+          <a:bodyPr/>
+          <a:lstStyle/>
+          <a:p>
             <a:r>
               <a:rPr lang="en-US" dirty="0" smtClean="0"/>
-              <a:t>Discussion and Demo</a:t>
+              <a:t>Fast Prototyping</a:t>
+            </a:r>
+          </a:p>
+          <a:p>
+            <a:r>
+              <a:rPr lang="en-US" dirty="0" smtClean="0"/>
+              <a:t>Simple to use</a:t>
+            </a:r>
+          </a:p>
+          <a:p>
+            <a:r>
+              <a:rPr lang="en-US" dirty="0" smtClean="0"/>
+              <a:t>Powerful</a:t>
+            </a:r>
+          </a:p>
+          <a:p>
+            <a:r>
+              <a:rPr lang="en-US" dirty="0" smtClean="0"/>
+              <a:t>Good </a:t>
+            </a:r>
+            <a:r>
+              <a:rPr lang="en-US" dirty="0" smtClean="0"/>
+              <a:t>User Manual for Parameters</a:t>
+            </a:r>
+            <a:endParaRPr lang="en-US" dirty="0"/>
+          </a:p>
+        </p:txBody>
+      </p:sp>
+    </p:spTree>
+  </p:cSld>
+  <p:clrMapOvr>
+    <a:masterClrMapping/>
+  </p:clrMapOvr>
+  <p:timing>
+    <p:tnLst>
+      <p:par>
+        <p:cTn xmlns:p14="http://schemas.microsoft.com/office/powerpoint/2010/main" id="1" dur="indefinite" restart="never" nodeType="tmRoot"/>
+      </p:par>
+    </p:tnLst>
+  </p:timing>
+</p:sld>
+</file>
+
+<file path=ppt/slides/slide21.xml><?xml version="1.0" encoding="utf-8"?>
+<p:sld xmlns:a="http://schemas.openxmlformats.org/drawingml/2006/main" xmlns:r="http://schemas.openxmlformats.org/officeDocument/2006/relationships" xmlns:p="http://schemas.openxmlformats.org/presentationml/2006/main">
+  <p:cSld>
+    <p:spTree>
+      <p:nvGrpSpPr>
+        <p:cNvPr id="1" name=""/>
+        <p:cNvGrpSpPr/>
+        <p:nvPr/>
+      </p:nvGrpSpPr>
+      <p:grpSpPr>
+        <a:xfrm>
+          <a:off x="0" y="0"/>
+          <a:ext cx="0" cy="0"/>
+          <a:chOff x="0" y="0"/>
+          <a:chExt cx="0" cy="0"/>
+        </a:xfrm>
+      </p:grpSpPr>
+      <p:sp>
+        <p:nvSpPr>
+          <p:cNvPr id="2" name="Title 1"/>
+          <p:cNvSpPr>
+            <a:spLocks noGrp="1"/>
+          </p:cNvSpPr>
+          <p:nvPr>
+            <p:ph type="title"/>
+          </p:nvPr>
+        </p:nvSpPr>
+        <p:spPr/>
+        <p:txBody>
+          <a:bodyPr/>
+          <a:lstStyle/>
+          <a:p>
+            <a:r>
+              <a:rPr lang="en-US" dirty="0" smtClean="0"/>
+              <a:t>Questions and Discussion and Demo</a:t>
             </a:r>
             <a:endParaRPr lang="en-US" dirty="0"/>
           </a:p>
@@ -7055,7 +7312,6 @@
               <a:rPr lang="en-US" dirty="0" smtClean="0"/>
               <a:t>Objectives</a:t>
             </a:r>
-            <a:endParaRPr lang="en-US" dirty="0" smtClean="0"/>
           </a:p>
           <a:p>
             <a:pPr lvl="1"/>
@@ -7084,7 +7340,6 @@
               <a:rPr lang="en-US" dirty="0" smtClean="0"/>
               <a:t>Fast prototyping</a:t>
             </a:r>
-            <a:endParaRPr lang="en-US" dirty="0" smtClean="0"/>
           </a:p>
           <a:p>
             <a:r>
